--- a/media-source/admin_upgrade-timeline.pptx
+++ b/media-source/admin_upgrade-timeline.pptx
@@ -154,7 +154,7 @@
           <a:p>
             <a:fld id="{938D4F65-00CB-47A6-A36C-DC88716242B1}" type="datetimeFigureOut">
               <a:rPr lang="en-DK" smtClean="0"/>
-              <a:t>03/02/2022</a:t>
+              <a:t>02/28/2023</a:t>
             </a:fld>
             <a:endParaRPr lang="en-DK"/>
           </a:p>
@@ -397,7 +397,7 @@
           <a:p>
             <a:fld id="{938D4F65-00CB-47A6-A36C-DC88716242B1}" type="datetimeFigureOut">
               <a:rPr lang="en-DK" smtClean="0"/>
-              <a:t>03/02/2022</a:t>
+              <a:t>02/28/2023</a:t>
             </a:fld>
             <a:endParaRPr lang="en-DK"/>
           </a:p>
@@ -2929,7 +2929,7 @@
                   <a:latin typeface="Segoe UI" panose="020B0502040204020203" pitchFamily="34" charset="0"/>
                   <a:cs typeface="Segoe UI" panose="020B0502040204020203" pitchFamily="34" charset="0"/>
                 </a:rPr>
-                <a:t>March 31</a:t>
+                <a:t>March 1</a:t>
               </a:r>
             </a:p>
             <a:p>
@@ -2949,7 +2949,7 @@
                   <a:latin typeface="Segoe UI" panose="020B0502040204020203" pitchFamily="34" charset="0"/>
                   <a:cs typeface="Segoe UI" panose="020B0502040204020203" pitchFamily="34" charset="0"/>
                 </a:rPr>
-                <a:t>September 30</a:t>
+                <a:t>September 1</a:t>
               </a:r>
               <a:endParaRPr lang="en-DK" dirty="0">
                 <a:latin typeface="Segoe UI" panose="020B0502040204020203" pitchFamily="34" charset="0"/>
